--- a/Equation.pptx
+++ b/Equation.pptx
@@ -108,6 +108,11 @@
       </a:defRPr>
     </a:lvl9pPr>
   </p:defaultTextStyle>
+  <p:extLst>
+    <p:ext uri="{EFAFB233-063F-42B5-8137-9DF3F51BA10A}">
+      <p15:sldGuideLst xmlns:p15="http://schemas.microsoft.com/office/powerpoint/2012/main"/>
+    </p:ext>
+  </p:extLst>
 </p:presentation>
 </file>
 
@@ -242,7 +247,7 @@
           <a:p>
             <a:fld id="{DBE142C9-E370-4CAA-A1BF-5707A2C1F7B4}" type="datetimeFigureOut">
               <a:rPr lang="en-US" smtClean="0"/>
-              <a:t>3/18/2019</a:t>
+              <a:t>3/28/2019</a:t>
             </a:fld>
             <a:endParaRPr lang="en-US"/>
           </a:p>
@@ -412,7 +417,7 @@
           <a:p>
             <a:fld id="{DBE142C9-E370-4CAA-A1BF-5707A2C1F7B4}" type="datetimeFigureOut">
               <a:rPr lang="en-US" smtClean="0"/>
-              <a:t>3/18/2019</a:t>
+              <a:t>3/28/2019</a:t>
             </a:fld>
             <a:endParaRPr lang="en-US"/>
           </a:p>
@@ -592,7 +597,7 @@
           <a:p>
             <a:fld id="{DBE142C9-E370-4CAA-A1BF-5707A2C1F7B4}" type="datetimeFigureOut">
               <a:rPr lang="en-US" smtClean="0"/>
-              <a:t>3/18/2019</a:t>
+              <a:t>3/28/2019</a:t>
             </a:fld>
             <a:endParaRPr lang="en-US"/>
           </a:p>
@@ -762,7 +767,7 @@
           <a:p>
             <a:fld id="{DBE142C9-E370-4CAA-A1BF-5707A2C1F7B4}" type="datetimeFigureOut">
               <a:rPr lang="en-US" smtClean="0"/>
-              <a:t>3/18/2019</a:t>
+              <a:t>3/28/2019</a:t>
             </a:fld>
             <a:endParaRPr lang="en-US"/>
           </a:p>
@@ -1008,7 +1013,7 @@
           <a:p>
             <a:fld id="{DBE142C9-E370-4CAA-A1BF-5707A2C1F7B4}" type="datetimeFigureOut">
               <a:rPr lang="en-US" smtClean="0"/>
-              <a:t>3/18/2019</a:t>
+              <a:t>3/28/2019</a:t>
             </a:fld>
             <a:endParaRPr lang="en-US"/>
           </a:p>
@@ -1240,7 +1245,7 @@
           <a:p>
             <a:fld id="{DBE142C9-E370-4CAA-A1BF-5707A2C1F7B4}" type="datetimeFigureOut">
               <a:rPr lang="en-US" smtClean="0"/>
-              <a:t>3/18/2019</a:t>
+              <a:t>3/28/2019</a:t>
             </a:fld>
             <a:endParaRPr lang="en-US"/>
           </a:p>
@@ -1607,7 +1612,7 @@
           <a:p>
             <a:fld id="{DBE142C9-E370-4CAA-A1BF-5707A2C1F7B4}" type="datetimeFigureOut">
               <a:rPr lang="en-US" smtClean="0"/>
-              <a:t>3/18/2019</a:t>
+              <a:t>3/28/2019</a:t>
             </a:fld>
             <a:endParaRPr lang="en-US"/>
           </a:p>
@@ -1725,7 +1730,7 @@
           <a:p>
             <a:fld id="{DBE142C9-E370-4CAA-A1BF-5707A2C1F7B4}" type="datetimeFigureOut">
               <a:rPr lang="en-US" smtClean="0"/>
-              <a:t>3/18/2019</a:t>
+              <a:t>3/28/2019</a:t>
             </a:fld>
             <a:endParaRPr lang="en-US"/>
           </a:p>
@@ -1820,7 +1825,7 @@
           <a:p>
             <a:fld id="{DBE142C9-E370-4CAA-A1BF-5707A2C1F7B4}" type="datetimeFigureOut">
               <a:rPr lang="en-US" smtClean="0"/>
-              <a:t>3/18/2019</a:t>
+              <a:t>3/28/2019</a:t>
             </a:fld>
             <a:endParaRPr lang="en-US"/>
           </a:p>
@@ -2097,7 +2102,7 @@
           <a:p>
             <a:fld id="{DBE142C9-E370-4CAA-A1BF-5707A2C1F7B4}" type="datetimeFigureOut">
               <a:rPr lang="en-US" smtClean="0"/>
-              <a:t>3/18/2019</a:t>
+              <a:t>3/28/2019</a:t>
             </a:fld>
             <a:endParaRPr lang="en-US"/>
           </a:p>
@@ -2350,7 +2355,7 @@
           <a:p>
             <a:fld id="{DBE142C9-E370-4CAA-A1BF-5707A2C1F7B4}" type="datetimeFigureOut">
               <a:rPr lang="en-US" smtClean="0"/>
-              <a:t>3/18/2019</a:t>
+              <a:t>3/28/2019</a:t>
             </a:fld>
             <a:endParaRPr lang="en-US"/>
           </a:p>
@@ -2563,7 +2568,7 @@
           <a:p>
             <a:fld id="{DBE142C9-E370-4CAA-A1BF-5707A2C1F7B4}" type="datetimeFigureOut">
               <a:rPr lang="en-US" smtClean="0"/>
-              <a:t>3/18/2019</a:t>
+              <a:t>3/28/2019</a:t>
             </a:fld>
             <a:endParaRPr lang="en-US"/>
           </a:p>
@@ -3358,11 +3363,6 @@
               </a:rPr>
               <a:t>-</a:t>
             </a:r>
-            <a:endParaRPr lang="en-US" sz="1400" dirty="0">
-              <a:solidFill>
-                <a:srgbClr val="FF0000"/>
-              </a:solidFill>
-            </a:endParaRPr>
           </a:p>
         </p:txBody>
       </p:sp>
@@ -3396,11 +3396,6 @@
               </a:rPr>
               <a:t>-</a:t>
             </a:r>
-            <a:endParaRPr lang="en-US" sz="1400" dirty="0">
-              <a:solidFill>
-                <a:srgbClr val="FF0000"/>
-              </a:solidFill>
-            </a:endParaRPr>
           </a:p>
         </p:txBody>
       </p:sp>
@@ -3434,11 +3429,6 @@
               </a:rPr>
               <a:t>-</a:t>
             </a:r>
-            <a:endParaRPr lang="en-US" sz="1400" dirty="0">
-              <a:solidFill>
-                <a:srgbClr val="FF0000"/>
-              </a:solidFill>
-            </a:endParaRPr>
           </a:p>
         </p:txBody>
       </p:sp>
@@ -4489,11 +4479,6 @@
               </a:rPr>
               <a:t>-</a:t>
             </a:r>
-            <a:endParaRPr lang="en-US" sz="1400" dirty="0">
-              <a:solidFill>
-                <a:srgbClr val="FF0000"/>
-              </a:solidFill>
-            </a:endParaRPr>
           </a:p>
         </p:txBody>
       </p:sp>
@@ -4527,11 +4512,6 @@
               </a:rPr>
               <a:t>-</a:t>
             </a:r>
-            <a:endParaRPr lang="en-US" sz="1400" dirty="0">
-              <a:solidFill>
-                <a:srgbClr val="FF0000"/>
-              </a:solidFill>
-            </a:endParaRPr>
           </a:p>
         </p:txBody>
       </p:sp>
@@ -4565,11 +4545,6 @@
               </a:rPr>
               <a:t>-</a:t>
             </a:r>
-            <a:endParaRPr lang="en-US" sz="1400" dirty="0">
-              <a:solidFill>
-                <a:srgbClr val="FF0000"/>
-              </a:solidFill>
-            </a:endParaRPr>
           </a:p>
         </p:txBody>
       </p:sp>
@@ -4799,6 +4774,43 @@
               <a:t>?</a:t>
             </a:r>
             <a:endParaRPr lang="en-US" sz="1400" dirty="0">
+              <a:solidFill>
+                <a:srgbClr val="FF0000"/>
+              </a:solidFill>
+            </a:endParaRPr>
+          </a:p>
+        </p:txBody>
+      </p:sp>
+      <p:sp>
+        <p:nvSpPr>
+          <p:cNvPr id="14" name="Rectangle 13"/>
+          <p:cNvSpPr/>
+          <p:nvPr/>
+        </p:nvSpPr>
+        <p:spPr>
+          <a:xfrm>
+            <a:off x="8766738" y="2264431"/>
+            <a:ext cx="1439818" cy="253916"/>
+          </a:xfrm>
+          <a:prstGeom prst="rect">
+            <a:avLst/>
+          </a:prstGeom>
+        </p:spPr>
+        <p:txBody>
+          <a:bodyPr wrap="none">
+            <a:spAutoFit/>
+          </a:bodyPr>
+          <a:lstStyle/>
+          <a:p>
+            <a:r>
+              <a:rPr lang="en-US" sz="1050" dirty="0" smtClean="0">
+                <a:solidFill>
+                  <a:srgbClr val="FF0000"/>
+                </a:solidFill>
+              </a:rPr>
+              <a:t>(0.8* (1 - e) * h * P * Z)</a:t>
+            </a:r>
+            <a:endParaRPr lang="en-US" sz="1050" dirty="0">
               <a:solidFill>
                 <a:srgbClr val="FF0000"/>
               </a:solidFill>
@@ -5297,11 +5309,6 @@
               </a:rPr>
               <a:t>-</a:t>
             </a:r>
-            <a:endParaRPr lang="en-US" sz="1400" dirty="0">
-              <a:solidFill>
-                <a:srgbClr val="FF0000"/>
-              </a:solidFill>
-            </a:endParaRPr>
           </a:p>
         </p:txBody>
       </p:sp>
@@ -5335,11 +5342,6 @@
               </a:rPr>
               <a:t>-</a:t>
             </a:r>
-            <a:endParaRPr lang="en-US" sz="1400" dirty="0">
-              <a:solidFill>
-                <a:srgbClr val="FF0000"/>
-              </a:solidFill>
-            </a:endParaRPr>
           </a:p>
         </p:txBody>
       </p:sp>
@@ -6130,11 +6132,6 @@
               </a:rPr>
               <a:t>-</a:t>
             </a:r>
-            <a:endParaRPr lang="en-US" sz="1400" dirty="0">
-              <a:solidFill>
-                <a:srgbClr val="FF0000"/>
-              </a:solidFill>
-            </a:endParaRPr>
           </a:p>
         </p:txBody>
       </p:sp>
@@ -6168,11 +6165,6 @@
               </a:rPr>
               <a:t>-</a:t>
             </a:r>
-            <a:endParaRPr lang="en-US" sz="1400" dirty="0">
-              <a:solidFill>
-                <a:srgbClr val="FF0000"/>
-              </a:solidFill>
-            </a:endParaRPr>
           </a:p>
         </p:txBody>
       </p:sp>
@@ -7123,6 +7115,126 @@
               </a:rPr>
               <a:t>-</a:t>
             </a:r>
+          </a:p>
+        </p:txBody>
+      </p:sp>
+      <p:sp>
+        <p:nvSpPr>
+          <p:cNvPr id="25" name="TextBox 24"/>
+          <p:cNvSpPr txBox="1"/>
+          <p:nvPr/>
+        </p:nvSpPr>
+        <p:spPr>
+          <a:xfrm>
+            <a:off x="7557864" y="5095078"/>
+            <a:ext cx="266395" cy="307777"/>
+          </a:xfrm>
+          <a:prstGeom prst="rect">
+            <a:avLst/>
+          </a:prstGeom>
+          <a:noFill/>
+        </p:spPr>
+        <p:txBody>
+          <a:bodyPr wrap="square" rtlCol="0">
+            <a:spAutoFit/>
+          </a:bodyPr>
+          <a:lstStyle/>
+          <a:p>
+            <a:r>
+              <a:rPr lang="en-US" sz="1400" dirty="0">
+                <a:solidFill>
+                  <a:srgbClr val="FF0000"/>
+                </a:solidFill>
+              </a:rPr>
+              <a:t>-</a:t>
+            </a:r>
+          </a:p>
+        </p:txBody>
+      </p:sp>
+      <p:sp>
+        <p:nvSpPr>
+          <p:cNvPr id="26" name="TextBox 25"/>
+          <p:cNvSpPr txBox="1"/>
+          <p:nvPr/>
+        </p:nvSpPr>
+        <p:spPr>
+          <a:xfrm>
+            <a:off x="891511" y="41344"/>
+            <a:ext cx="3893141" cy="461665"/>
+          </a:xfrm>
+          <a:prstGeom prst="rect">
+            <a:avLst/>
+          </a:prstGeom>
+          <a:noFill/>
+        </p:spPr>
+        <p:txBody>
+          <a:bodyPr wrap="square" rtlCol="0">
+            <a:spAutoFit/>
+          </a:bodyPr>
+          <a:lstStyle/>
+          <a:p>
+            <a:r>
+              <a:rPr lang="en-US" sz="2400" dirty="0" smtClean="0">
+                <a:solidFill>
+                  <a:srgbClr val="FF0000"/>
+                </a:solidFill>
+              </a:rPr>
+              <a:t>Dissolved </a:t>
+            </a:r>
+            <a:r>
+              <a:rPr lang="en-US" sz="2400" dirty="0">
+                <a:solidFill>
+                  <a:srgbClr val="FF0000"/>
+                </a:solidFill>
+              </a:rPr>
+              <a:t>O</a:t>
+            </a:r>
+            <a:r>
+              <a:rPr lang="en-US" sz="2400" dirty="0" smtClean="0">
+                <a:solidFill>
+                  <a:srgbClr val="FF0000"/>
+                </a:solidFill>
+              </a:rPr>
+              <a:t>rganic Nitrogen</a:t>
+            </a:r>
+            <a:endParaRPr lang="en-US" sz="2400" dirty="0">
+              <a:solidFill>
+                <a:srgbClr val="FF0000"/>
+              </a:solidFill>
+            </a:endParaRPr>
+          </a:p>
+        </p:txBody>
+      </p:sp>
+      <p:sp>
+        <p:nvSpPr>
+          <p:cNvPr id="14" name="TextBox 13"/>
+          <p:cNvSpPr txBox="1"/>
+          <p:nvPr/>
+        </p:nvSpPr>
+        <p:spPr>
+          <a:xfrm>
+            <a:off x="7957020" y="4505569"/>
+            <a:ext cx="266395" cy="307777"/>
+          </a:xfrm>
+          <a:prstGeom prst="rect">
+            <a:avLst/>
+          </a:prstGeom>
+          <a:noFill/>
+        </p:spPr>
+        <p:txBody>
+          <a:bodyPr wrap="square" rtlCol="0">
+            <a:spAutoFit/>
+          </a:bodyPr>
+          <a:lstStyle/>
+          <a:p>
+            <a:r>
+              <a:rPr lang="en-US" sz="1400" dirty="0" smtClean="0">
+                <a:solidFill>
+                  <a:srgbClr val="FF0000"/>
+                </a:solidFill>
+              </a:rPr>
+              <a:t>+</a:t>
+            </a:r>
             <a:endParaRPr lang="en-US" sz="1400" dirty="0">
               <a:solidFill>
                 <a:srgbClr val="FF0000"/>
@@ -7133,13 +7245,13 @@
       </p:sp>
       <p:sp>
         <p:nvSpPr>
-          <p:cNvPr id="25" name="TextBox 24"/>
+          <p:cNvPr id="13" name="TextBox 12"/>
           <p:cNvSpPr txBox="1"/>
           <p:nvPr/>
         </p:nvSpPr>
         <p:spPr>
           <a:xfrm>
-            <a:off x="7557864" y="5095078"/>
+            <a:off x="8549177" y="4659457"/>
             <a:ext cx="266395" cy="307777"/>
           </a:xfrm>
           <a:prstGeom prst="rect">
@@ -7154,12 +7266,12 @@
           <a:lstStyle/>
           <a:p>
             <a:r>
-              <a:rPr lang="en-US" sz="1400" dirty="0">
-                <a:solidFill>
-                  <a:srgbClr val="FF0000"/>
-                </a:solidFill>
-              </a:rPr>
-              <a:t>-</a:t>
+              <a:rPr lang="en-US" sz="1400" dirty="0" smtClean="0">
+                <a:solidFill>
+                  <a:srgbClr val="FF0000"/>
+                </a:solidFill>
+              </a:rPr>
+              <a:t>+</a:t>
             </a:r>
             <a:endParaRPr lang="en-US" sz="1400" dirty="0">
               <a:solidFill>
@@ -7171,51 +7283,162 @@
       </p:sp>
       <p:sp>
         <p:nvSpPr>
-          <p:cNvPr id="26" name="TextBox 25"/>
-          <p:cNvSpPr txBox="1"/>
+          <p:cNvPr id="3" name="Rectangle 2"/>
+          <p:cNvSpPr/>
           <p:nvPr/>
         </p:nvSpPr>
         <p:spPr>
           <a:xfrm>
-            <a:off x="891511" y="41344"/>
-            <a:ext cx="3893141" cy="461665"/>
+            <a:off x="143866" y="503009"/>
+            <a:ext cx="5276697" cy="461665"/>
           </a:xfrm>
           <a:prstGeom prst="rect">
             <a:avLst/>
           </a:prstGeom>
-          <a:noFill/>
-        </p:spPr>
-        <p:txBody>
-          <a:bodyPr wrap="square" rtlCol="0">
+        </p:spPr>
+        <p:txBody>
+          <a:bodyPr wrap="square">
             <a:spAutoFit/>
           </a:bodyPr>
           <a:lstStyle/>
           <a:p>
             <a:r>
-              <a:rPr lang="en-US" sz="2400" dirty="0" smtClean="0">
-                <a:solidFill>
-                  <a:srgbClr val="FF0000"/>
-                </a:solidFill>
-              </a:rPr>
-              <a:t>Dissolved </a:t>
-            </a:r>
-            <a:r>
-              <a:rPr lang="en-US" sz="2400" dirty="0">
-                <a:solidFill>
-                  <a:srgbClr val="FF0000"/>
-                </a:solidFill>
-              </a:rPr>
-              <a:t>O</a:t>
-            </a:r>
-            <a:r>
-              <a:rPr lang="en-US" sz="2400" dirty="0" smtClean="0">
-                <a:solidFill>
-                  <a:srgbClr val="FF0000"/>
-                </a:solidFill>
-              </a:rPr>
-              <a:t>rganic Nitrogen</a:t>
-            </a:r>
-            <a:endParaRPr lang="en-US" sz="2400" dirty="0">
+              <a:rPr lang="en-US" sz="1200" dirty="0" smtClean="0">
+                <a:solidFill>
+                  <a:srgbClr val="FF0000"/>
+                </a:solidFill>
+              </a:rPr>
+              <a:t> </a:t>
+            </a:r>
+            <a:r>
+              <a:rPr lang="en-US" sz="1200" dirty="0" err="1" smtClean="0">
+                <a:solidFill>
+                  <a:srgbClr val="FF0000"/>
+                </a:solidFill>
+              </a:rPr>
+              <a:t>DON_dot</a:t>
+            </a:r>
+            <a:r>
+              <a:rPr lang="en-US" sz="1200" dirty="0" smtClean="0">
+                <a:solidFill>
+                  <a:srgbClr val="FF0000"/>
+                </a:solidFill>
+              </a:rPr>
+              <a:t> = </a:t>
+            </a:r>
+            <a:r>
+              <a:rPr lang="en-US" sz="1200" dirty="0" err="1" smtClean="0">
+                <a:solidFill>
+                  <a:srgbClr val="FF0000"/>
+                </a:solidFill>
+              </a:rPr>
+              <a:t>ddon</a:t>
+            </a:r>
+            <a:r>
+              <a:rPr lang="en-US" sz="1200" dirty="0" smtClean="0">
+                <a:solidFill>
+                  <a:srgbClr val="FF0000"/>
+                </a:solidFill>
+              </a:rPr>
+              <a:t> + (</a:t>
+            </a:r>
+            <a:r>
+              <a:rPr lang="en-US" sz="1200" dirty="0" err="1" smtClean="0">
+                <a:solidFill>
+                  <a:srgbClr val="FF0000"/>
+                </a:solidFill>
+              </a:rPr>
+              <a:t>Bm</a:t>
+            </a:r>
+            <a:r>
+              <a:rPr lang="en-US" sz="1200" dirty="0" smtClean="0">
+                <a:solidFill>
+                  <a:srgbClr val="FF0000"/>
+                </a:solidFill>
+              </a:rPr>
+              <a:t> * B * B) + (Pm * P * P) + (</a:t>
+            </a:r>
+            <a:r>
+              <a:rPr lang="en-US" sz="1200" dirty="0" err="1" smtClean="0">
+                <a:solidFill>
+                  <a:srgbClr val="FF0000"/>
+                </a:solidFill>
+              </a:rPr>
+              <a:t>Zm</a:t>
+            </a:r>
+            <a:r>
+              <a:rPr lang="en-US" sz="1200" dirty="0" smtClean="0">
+                <a:solidFill>
+                  <a:srgbClr val="FF0000"/>
+                </a:solidFill>
+              </a:rPr>
+              <a:t> * Z * Z) + (</a:t>
+            </a:r>
+            <a:r>
+              <a:rPr lang="en-US" sz="1200" dirty="0" err="1" smtClean="0">
+                <a:solidFill>
+                  <a:srgbClr val="FF0000"/>
+                </a:solidFill>
+              </a:rPr>
+              <a:t>Pe</a:t>
+            </a:r>
+            <a:r>
+              <a:rPr lang="en-US" sz="1200" dirty="0" smtClean="0">
+                <a:solidFill>
+                  <a:srgbClr val="FF0000"/>
+                </a:solidFill>
+              </a:rPr>
+              <a:t> * P) + (0.2 * (1 - e) * H * P * Z)  - (</a:t>
+            </a:r>
+            <a:r>
+              <a:rPr lang="en-US" sz="1200" dirty="0" err="1" smtClean="0">
+                <a:solidFill>
+                  <a:srgbClr val="FF0000"/>
+                </a:solidFill>
+              </a:rPr>
+              <a:t>Pr</a:t>
+            </a:r>
+            <a:r>
+              <a:rPr lang="en-US" sz="1200" dirty="0" smtClean="0">
+                <a:solidFill>
+                  <a:srgbClr val="FF0000"/>
+                </a:solidFill>
+              </a:rPr>
+              <a:t> * DON * P) - ((</a:t>
+            </a:r>
+            <a:r>
+              <a:rPr lang="en-US" sz="1200" dirty="0" err="1" smtClean="0">
+                <a:solidFill>
+                  <a:srgbClr val="FF0000"/>
+                </a:solidFill>
+              </a:rPr>
+              <a:t>Bg</a:t>
+            </a:r>
+            <a:r>
+              <a:rPr lang="en-US" sz="1200" dirty="0" smtClean="0">
+                <a:solidFill>
+                  <a:srgbClr val="FF0000"/>
+                </a:solidFill>
+              </a:rPr>
+              <a:t> * B)/ (1 + </a:t>
+            </a:r>
+            <a:r>
+              <a:rPr lang="en-US" sz="1200" dirty="0" err="1" smtClean="0">
+                <a:solidFill>
+                  <a:srgbClr val="FF0000"/>
+                </a:solidFill>
+              </a:rPr>
+              <a:t>Bg</a:t>
+            </a:r>
+            <a:r>
+              <a:rPr lang="en-US" sz="1200" dirty="0" smtClean="0">
+                <a:solidFill>
+                  <a:srgbClr val="FF0000"/>
+                </a:solidFill>
+              </a:rPr>
+              <a:t> * B) * DON) - (s * DON)</a:t>
+            </a:r>
+            <a:endParaRPr lang="en-US" sz="1200" dirty="0">
               <a:solidFill>
                 <a:srgbClr val="FF0000"/>
               </a:solidFill>
@@ -7225,13 +7448,13 @@
       </p:sp>
       <p:sp>
         <p:nvSpPr>
-          <p:cNvPr id="14" name="TextBox 13"/>
+          <p:cNvPr id="17" name="TextBox 16"/>
           <p:cNvSpPr txBox="1"/>
           <p:nvPr/>
         </p:nvSpPr>
         <p:spPr>
           <a:xfrm>
-            <a:off x="7957020" y="4505569"/>
+            <a:off x="8541814" y="4870379"/>
             <a:ext cx="266395" cy="307777"/>
           </a:xfrm>
           <a:prstGeom prst="rect">
@@ -7263,13 +7486,13 @@
       </p:sp>
       <p:sp>
         <p:nvSpPr>
-          <p:cNvPr id="13" name="TextBox 12"/>
+          <p:cNvPr id="18" name="TextBox 17"/>
           <p:cNvSpPr txBox="1"/>
           <p:nvPr/>
         </p:nvSpPr>
         <p:spPr>
           <a:xfrm>
-            <a:off x="8549177" y="4659457"/>
+            <a:off x="8549177" y="5095078"/>
             <a:ext cx="266395" cy="307777"/>
           </a:xfrm>
           <a:prstGeom prst="rect">
@@ -7301,178 +7524,13 @@
       </p:sp>
       <p:sp>
         <p:nvSpPr>
-          <p:cNvPr id="3" name="Rectangle 2"/>
-          <p:cNvSpPr/>
-          <p:nvPr/>
-        </p:nvSpPr>
-        <p:spPr>
-          <a:xfrm>
-            <a:off x="143866" y="503009"/>
-            <a:ext cx="5276697" cy="461665"/>
-          </a:xfrm>
-          <a:prstGeom prst="rect">
-            <a:avLst/>
-          </a:prstGeom>
-        </p:spPr>
-        <p:txBody>
-          <a:bodyPr wrap="square">
-            <a:spAutoFit/>
-          </a:bodyPr>
-          <a:lstStyle/>
-          <a:p>
-            <a:r>
-              <a:rPr lang="en-US" sz="1200" dirty="0" smtClean="0">
-                <a:solidFill>
-                  <a:srgbClr val="FF0000"/>
-                </a:solidFill>
-              </a:rPr>
-              <a:t> </a:t>
-            </a:r>
-            <a:r>
-              <a:rPr lang="en-US" sz="1200" dirty="0" err="1" smtClean="0">
-                <a:solidFill>
-                  <a:srgbClr val="FF0000"/>
-                </a:solidFill>
-              </a:rPr>
-              <a:t>DON_dot</a:t>
-            </a:r>
-            <a:r>
-              <a:rPr lang="en-US" sz="1200" dirty="0" smtClean="0">
-                <a:solidFill>
-                  <a:srgbClr val="FF0000"/>
-                </a:solidFill>
-              </a:rPr>
-              <a:t> = </a:t>
-            </a:r>
-            <a:r>
-              <a:rPr lang="en-US" sz="1200" dirty="0" err="1" smtClean="0">
-                <a:solidFill>
-                  <a:srgbClr val="FF0000"/>
-                </a:solidFill>
-              </a:rPr>
-              <a:t>ddon</a:t>
-            </a:r>
-            <a:r>
-              <a:rPr lang="en-US" sz="1200" dirty="0" smtClean="0">
-                <a:solidFill>
-                  <a:srgbClr val="FF0000"/>
-                </a:solidFill>
-              </a:rPr>
-              <a:t> + (</a:t>
-            </a:r>
-            <a:r>
-              <a:rPr lang="en-US" sz="1200" dirty="0" err="1" smtClean="0">
-                <a:solidFill>
-                  <a:srgbClr val="FF0000"/>
-                </a:solidFill>
-              </a:rPr>
-              <a:t>Bm</a:t>
-            </a:r>
-            <a:r>
-              <a:rPr lang="en-US" sz="1200" dirty="0" smtClean="0">
-                <a:solidFill>
-                  <a:srgbClr val="FF0000"/>
-                </a:solidFill>
-              </a:rPr>
-              <a:t> * B * B) + (Pm * P * P) + (</a:t>
-            </a:r>
-            <a:r>
-              <a:rPr lang="en-US" sz="1200" dirty="0" err="1" smtClean="0">
-                <a:solidFill>
-                  <a:srgbClr val="FF0000"/>
-                </a:solidFill>
-              </a:rPr>
-              <a:t>Zm</a:t>
-            </a:r>
-            <a:r>
-              <a:rPr lang="en-US" sz="1200" dirty="0" smtClean="0">
-                <a:solidFill>
-                  <a:srgbClr val="FF0000"/>
-                </a:solidFill>
-              </a:rPr>
-              <a:t> * Z * Z) + (</a:t>
-            </a:r>
-            <a:r>
-              <a:rPr lang="en-US" sz="1200" dirty="0" err="1" smtClean="0">
-                <a:solidFill>
-                  <a:srgbClr val="FF0000"/>
-                </a:solidFill>
-              </a:rPr>
-              <a:t>Pe</a:t>
-            </a:r>
-            <a:r>
-              <a:rPr lang="en-US" sz="1200" dirty="0" smtClean="0">
-                <a:solidFill>
-                  <a:srgbClr val="FF0000"/>
-                </a:solidFill>
-              </a:rPr>
-              <a:t> * P) + (0.2 * (1 - e) * H * P * Z)  - (</a:t>
-            </a:r>
-            <a:r>
-              <a:rPr lang="en-US" sz="1200" dirty="0" err="1" smtClean="0">
-                <a:solidFill>
-                  <a:srgbClr val="FF0000"/>
-                </a:solidFill>
-              </a:rPr>
-              <a:t>Pr</a:t>
-            </a:r>
-            <a:r>
-              <a:rPr lang="en-US" sz="1200" dirty="0" smtClean="0">
-                <a:solidFill>
-                  <a:srgbClr val="FF0000"/>
-                </a:solidFill>
-              </a:rPr>
-              <a:t> * DON * P) - ((</a:t>
-            </a:r>
-            <a:r>
-              <a:rPr lang="en-US" sz="1200" dirty="0" err="1" smtClean="0">
-                <a:solidFill>
-                  <a:srgbClr val="FF0000"/>
-                </a:solidFill>
-              </a:rPr>
-              <a:t>Bg</a:t>
-            </a:r>
-            <a:r>
-              <a:rPr lang="en-US" sz="1200" dirty="0" smtClean="0">
-                <a:solidFill>
-                  <a:srgbClr val="FF0000"/>
-                </a:solidFill>
-              </a:rPr>
-              <a:t> * B)/ (1 + </a:t>
-            </a:r>
-            <a:r>
-              <a:rPr lang="en-US" sz="1200" dirty="0" err="1" smtClean="0">
-                <a:solidFill>
-                  <a:srgbClr val="FF0000"/>
-                </a:solidFill>
-              </a:rPr>
-              <a:t>Bg</a:t>
-            </a:r>
-            <a:r>
-              <a:rPr lang="en-US" sz="1200" dirty="0" smtClean="0">
-                <a:solidFill>
-                  <a:srgbClr val="FF0000"/>
-                </a:solidFill>
-              </a:rPr>
-              <a:t> * B) * DON) - (s * DON)</a:t>
-            </a:r>
-            <a:endParaRPr lang="en-US" sz="1200" dirty="0">
-              <a:solidFill>
-                <a:srgbClr val="FF0000"/>
-              </a:solidFill>
-            </a:endParaRPr>
-          </a:p>
-        </p:txBody>
-      </p:sp>
-      <p:sp>
-        <p:nvSpPr>
-          <p:cNvPr id="17" name="TextBox 16"/>
+          <p:cNvPr id="19" name="TextBox 18"/>
           <p:cNvSpPr txBox="1"/>
           <p:nvPr/>
         </p:nvSpPr>
         <p:spPr>
           <a:xfrm>
-            <a:off x="8541814" y="4870379"/>
+            <a:off x="8392929" y="5260518"/>
             <a:ext cx="266395" cy="307777"/>
           </a:xfrm>
           <a:prstGeom prst="rect">
@@ -7487,82 +7545,6 @@
           <a:lstStyle/>
           <a:p>
             <a:r>
-              <a:rPr lang="en-US" sz="1400" dirty="0" smtClean="0">
-                <a:solidFill>
-                  <a:srgbClr val="FF0000"/>
-                </a:solidFill>
-              </a:rPr>
-              <a:t>+</a:t>
-            </a:r>
-            <a:endParaRPr lang="en-US" sz="1400" dirty="0">
-              <a:solidFill>
-                <a:srgbClr val="FF0000"/>
-              </a:solidFill>
-            </a:endParaRPr>
-          </a:p>
-        </p:txBody>
-      </p:sp>
-      <p:sp>
-        <p:nvSpPr>
-          <p:cNvPr id="18" name="TextBox 17"/>
-          <p:cNvSpPr txBox="1"/>
-          <p:nvPr/>
-        </p:nvSpPr>
-        <p:spPr>
-          <a:xfrm>
-            <a:off x="8549177" y="5095078"/>
-            <a:ext cx="266395" cy="307777"/>
-          </a:xfrm>
-          <a:prstGeom prst="rect">
-            <a:avLst/>
-          </a:prstGeom>
-          <a:noFill/>
-        </p:spPr>
-        <p:txBody>
-          <a:bodyPr wrap="square" rtlCol="0">
-            <a:spAutoFit/>
-          </a:bodyPr>
-          <a:lstStyle/>
-          <a:p>
-            <a:r>
-              <a:rPr lang="en-US" sz="1400" dirty="0" smtClean="0">
-                <a:solidFill>
-                  <a:srgbClr val="FF0000"/>
-                </a:solidFill>
-              </a:rPr>
-              <a:t>+</a:t>
-            </a:r>
-            <a:endParaRPr lang="en-US" sz="1400" dirty="0">
-              <a:solidFill>
-                <a:srgbClr val="FF0000"/>
-              </a:solidFill>
-            </a:endParaRPr>
-          </a:p>
-        </p:txBody>
-      </p:sp>
-      <p:sp>
-        <p:nvSpPr>
-          <p:cNvPr id="19" name="TextBox 18"/>
-          <p:cNvSpPr txBox="1"/>
-          <p:nvPr/>
-        </p:nvSpPr>
-        <p:spPr>
-          <a:xfrm>
-            <a:off x="8392929" y="5260518"/>
-            <a:ext cx="266395" cy="307777"/>
-          </a:xfrm>
-          <a:prstGeom prst="rect">
-            <a:avLst/>
-          </a:prstGeom>
-          <a:noFill/>
-        </p:spPr>
-        <p:txBody>
-          <a:bodyPr wrap="square" rtlCol="0">
-            <a:spAutoFit/>
-          </a:bodyPr>
-          <a:lstStyle/>
-          <a:p>
-            <a:r>
               <a:rPr lang="en-US" sz="1400" dirty="0">
                 <a:solidFill>
                   <a:srgbClr val="FF0000"/>
@@ -7570,11 +7552,6 @@
               </a:rPr>
               <a:t>-</a:t>
             </a:r>
-            <a:endParaRPr lang="en-US" sz="1400" dirty="0">
-              <a:solidFill>
-                <a:srgbClr val="FF0000"/>
-              </a:solidFill>
-            </a:endParaRPr>
           </a:p>
         </p:txBody>
       </p:sp>

--- a/Equation.pptx
+++ b/Equation.pptx
@@ -247,7 +247,7 @@
           <a:p>
             <a:fld id="{DBE142C9-E370-4CAA-A1BF-5707A2C1F7B4}" type="datetimeFigureOut">
               <a:rPr lang="en-US" smtClean="0"/>
-              <a:t>3/28/2019</a:t>
+              <a:t>3/29/2019</a:t>
             </a:fld>
             <a:endParaRPr lang="en-US"/>
           </a:p>
@@ -417,7 +417,7 @@
           <a:p>
             <a:fld id="{DBE142C9-E370-4CAA-A1BF-5707A2C1F7B4}" type="datetimeFigureOut">
               <a:rPr lang="en-US" smtClean="0"/>
-              <a:t>3/28/2019</a:t>
+              <a:t>3/29/2019</a:t>
             </a:fld>
             <a:endParaRPr lang="en-US"/>
           </a:p>
@@ -597,7 +597,7 @@
           <a:p>
             <a:fld id="{DBE142C9-E370-4CAA-A1BF-5707A2C1F7B4}" type="datetimeFigureOut">
               <a:rPr lang="en-US" smtClean="0"/>
-              <a:t>3/28/2019</a:t>
+              <a:t>3/29/2019</a:t>
             </a:fld>
             <a:endParaRPr lang="en-US"/>
           </a:p>
@@ -767,7 +767,7 @@
           <a:p>
             <a:fld id="{DBE142C9-E370-4CAA-A1BF-5707A2C1F7B4}" type="datetimeFigureOut">
               <a:rPr lang="en-US" smtClean="0"/>
-              <a:t>3/28/2019</a:t>
+              <a:t>3/29/2019</a:t>
             </a:fld>
             <a:endParaRPr lang="en-US"/>
           </a:p>
@@ -1013,7 +1013,7 @@
           <a:p>
             <a:fld id="{DBE142C9-E370-4CAA-A1BF-5707A2C1F7B4}" type="datetimeFigureOut">
               <a:rPr lang="en-US" smtClean="0"/>
-              <a:t>3/28/2019</a:t>
+              <a:t>3/29/2019</a:t>
             </a:fld>
             <a:endParaRPr lang="en-US"/>
           </a:p>
@@ -1245,7 +1245,7 @@
           <a:p>
             <a:fld id="{DBE142C9-E370-4CAA-A1BF-5707A2C1F7B4}" type="datetimeFigureOut">
               <a:rPr lang="en-US" smtClean="0"/>
-              <a:t>3/28/2019</a:t>
+              <a:t>3/29/2019</a:t>
             </a:fld>
             <a:endParaRPr lang="en-US"/>
           </a:p>
@@ -1612,7 +1612,7 @@
           <a:p>
             <a:fld id="{DBE142C9-E370-4CAA-A1BF-5707A2C1F7B4}" type="datetimeFigureOut">
               <a:rPr lang="en-US" smtClean="0"/>
-              <a:t>3/28/2019</a:t>
+              <a:t>3/29/2019</a:t>
             </a:fld>
             <a:endParaRPr lang="en-US"/>
           </a:p>
@@ -1730,7 +1730,7 @@
           <a:p>
             <a:fld id="{DBE142C9-E370-4CAA-A1BF-5707A2C1F7B4}" type="datetimeFigureOut">
               <a:rPr lang="en-US" smtClean="0"/>
-              <a:t>3/28/2019</a:t>
+              <a:t>3/29/2019</a:t>
             </a:fld>
             <a:endParaRPr lang="en-US"/>
           </a:p>
@@ -1825,7 +1825,7 @@
           <a:p>
             <a:fld id="{DBE142C9-E370-4CAA-A1BF-5707A2C1F7B4}" type="datetimeFigureOut">
               <a:rPr lang="en-US" smtClean="0"/>
-              <a:t>3/28/2019</a:t>
+              <a:t>3/29/2019</a:t>
             </a:fld>
             <a:endParaRPr lang="en-US"/>
           </a:p>
@@ -2102,7 +2102,7 @@
           <a:p>
             <a:fld id="{DBE142C9-E370-4CAA-A1BF-5707A2C1F7B4}" type="datetimeFigureOut">
               <a:rPr lang="en-US" smtClean="0"/>
-              <a:t>3/28/2019</a:t>
+              <a:t>3/29/2019</a:t>
             </a:fld>
             <a:endParaRPr lang="en-US"/>
           </a:p>
@@ -2355,7 +2355,7 @@
           <a:p>
             <a:fld id="{DBE142C9-E370-4CAA-A1BF-5707A2C1F7B4}" type="datetimeFigureOut">
               <a:rPr lang="en-US" smtClean="0"/>
-              <a:t>3/28/2019</a:t>
+              <a:t>3/29/2019</a:t>
             </a:fld>
             <a:endParaRPr lang="en-US"/>
           </a:p>
@@ -2568,7 +2568,7 @@
           <a:p>
             <a:fld id="{DBE142C9-E370-4CAA-A1BF-5707A2C1F7B4}" type="datetimeFigureOut">
               <a:rPr lang="en-US" smtClean="0"/>
-              <a:t>3/28/2019</a:t>
+              <a:t>3/29/2019</a:t>
             </a:fld>
             <a:endParaRPr lang="en-US"/>
           </a:p>
@@ -4703,37 +4703,34 @@
       </p:sp>
       <p:sp>
         <p:nvSpPr>
-          <p:cNvPr id="28" name="TextBox 27"/>
-          <p:cNvSpPr txBox="1"/>
+          <p:cNvPr id="14" name="Rectangle 13"/>
+          <p:cNvSpPr/>
           <p:nvPr/>
         </p:nvSpPr>
         <p:spPr>
           <a:xfrm>
-            <a:off x="9449571" y="2761377"/>
-            <a:ext cx="259995" cy="307777"/>
+            <a:off x="8766738" y="2264431"/>
+            <a:ext cx="1439818" cy="253916"/>
           </a:xfrm>
           <a:prstGeom prst="rect">
             <a:avLst/>
           </a:prstGeom>
-          <a:solidFill>
-            <a:srgbClr val="FFFF00"/>
-          </a:solidFill>
-        </p:spPr>
-        <p:txBody>
-          <a:bodyPr wrap="square" rtlCol="0">
+        </p:spPr>
+        <p:txBody>
+          <a:bodyPr wrap="none">
             <a:spAutoFit/>
           </a:bodyPr>
           <a:lstStyle/>
           <a:p>
             <a:r>
-              <a:rPr lang="en-US" sz="1400" dirty="0" smtClean="0">
-                <a:solidFill>
-                  <a:srgbClr val="FF0000"/>
-                </a:solidFill>
-              </a:rPr>
-              <a:t>?</a:t>
-            </a:r>
-            <a:endParaRPr lang="en-US" sz="1400" dirty="0">
+              <a:rPr lang="en-US" sz="1050" dirty="0" smtClean="0">
+                <a:solidFill>
+                  <a:srgbClr val="FF0000"/>
+                </a:solidFill>
+              </a:rPr>
+              <a:t>(0.8* (1 - e) * h * P * Z)</a:t>
+            </a:r>
+            <a:endParaRPr lang="en-US" sz="1050" dirty="0">
               <a:solidFill>
                 <a:srgbClr val="FF0000"/>
               </a:solidFill>
@@ -4743,58 +4740,18 @@
       </p:sp>
       <p:sp>
         <p:nvSpPr>
-          <p:cNvPr id="29" name="TextBox 28"/>
-          <p:cNvSpPr txBox="1"/>
+          <p:cNvPr id="16" name="Rectangle 15"/>
+          <p:cNvSpPr/>
           <p:nvPr/>
         </p:nvSpPr>
         <p:spPr>
           <a:xfrm>
-            <a:off x="8461623" y="3406719"/>
-            <a:ext cx="259995" cy="307777"/>
+            <a:off x="7547296" y="3478427"/>
+            <a:ext cx="1483098" cy="253916"/>
           </a:xfrm>
           <a:prstGeom prst="rect">
             <a:avLst/>
           </a:prstGeom>
-          <a:solidFill>
-            <a:srgbClr val="FFFF00"/>
-          </a:solidFill>
-        </p:spPr>
-        <p:txBody>
-          <a:bodyPr wrap="square" rtlCol="0">
-            <a:spAutoFit/>
-          </a:bodyPr>
-          <a:lstStyle/>
-          <a:p>
-            <a:r>
-              <a:rPr lang="en-US" sz="1400" dirty="0" smtClean="0">
-                <a:solidFill>
-                  <a:srgbClr val="FF0000"/>
-                </a:solidFill>
-              </a:rPr>
-              <a:t>?</a:t>
-            </a:r>
-            <a:endParaRPr lang="en-US" sz="1400" dirty="0">
-              <a:solidFill>
-                <a:srgbClr val="FF0000"/>
-              </a:solidFill>
-            </a:endParaRPr>
-          </a:p>
-        </p:txBody>
-      </p:sp>
-      <p:sp>
-        <p:nvSpPr>
-          <p:cNvPr id="14" name="Rectangle 13"/>
-          <p:cNvSpPr/>
-          <p:nvPr/>
-        </p:nvSpPr>
-        <p:spPr>
-          <a:xfrm>
-            <a:off x="8766738" y="2264431"/>
-            <a:ext cx="1439818" cy="253916"/>
-          </a:xfrm>
-          <a:prstGeom prst="rect">
-            <a:avLst/>
-          </a:prstGeom>
         </p:spPr>
         <p:txBody>
           <a:bodyPr wrap="none">
@@ -4808,7 +4765,7 @@
                   <a:srgbClr val="FF0000"/>
                 </a:solidFill>
               </a:rPr>
-              <a:t>(0.8* (1 - e) * h * P * Z)</a:t>
+              <a:t>(0.2 * (1 - e) * H * P * Z)</a:t>
             </a:r>
             <a:endParaRPr lang="en-US" sz="1050" dirty="0">
               <a:solidFill>
